--- a/Вроде бы готово.pptx
+++ b/Вроде бы готово.pptx
@@ -205,7 +205,7 @@
           <a:p>
             <a:fld id="{5E4339A7-530A-4374-82B3-958D5832E09F}" type="datetimeFigureOut">
               <a:rPr lang="ru-RU" smtClean="0"/>
-              <a:t>19.03.2024</a:t>
+              <a:t>26.03.2024</a:t>
             </a:fld>
             <a:endParaRPr lang="ru-RU"/>
           </a:p>
@@ -731,7 +731,7 @@
           <a:p>
             <a:fld id="{727BC1F1-26C4-4172-9B9C-25E3323FD759}" type="datetimeFigureOut">
               <a:rPr lang="ru-UA" smtClean="0"/>
-              <a:t>03/19/2024</a:t>
+              <a:t>03/26/2024</a:t>
             </a:fld>
             <a:endParaRPr lang="ru-UA"/>
           </a:p>
@@ -931,7 +931,7 @@
           <a:p>
             <a:fld id="{727BC1F1-26C4-4172-9B9C-25E3323FD759}" type="datetimeFigureOut">
               <a:rPr lang="ru-UA" smtClean="0"/>
-              <a:t>03/19/2024</a:t>
+              <a:t>03/26/2024</a:t>
             </a:fld>
             <a:endParaRPr lang="ru-UA"/>
           </a:p>
@@ -1141,7 +1141,7 @@
           <a:p>
             <a:fld id="{727BC1F1-26C4-4172-9B9C-25E3323FD759}" type="datetimeFigureOut">
               <a:rPr lang="ru-UA" smtClean="0"/>
-              <a:t>03/19/2024</a:t>
+              <a:t>03/26/2024</a:t>
             </a:fld>
             <a:endParaRPr lang="ru-UA"/>
           </a:p>
@@ -1398,7 +1398,7 @@
           <a:p>
             <a:fld id="{727BC1F1-26C4-4172-9B9C-25E3323FD759}" type="datetimeFigureOut">
               <a:rPr lang="ru-UA" smtClean="0"/>
-              <a:t>03/19/2024</a:t>
+              <a:t>03/26/2024</a:t>
             </a:fld>
             <a:endParaRPr lang="ru-UA"/>
           </a:p>
@@ -1674,7 +1674,7 @@
           <a:p>
             <a:fld id="{727BC1F1-26C4-4172-9B9C-25E3323FD759}" type="datetimeFigureOut">
               <a:rPr lang="ru-UA" smtClean="0"/>
-              <a:t>03/19/2024</a:t>
+              <a:t>03/26/2024</a:t>
             </a:fld>
             <a:endParaRPr lang="ru-UA"/>
           </a:p>
@@ -1942,7 +1942,7 @@
           <a:p>
             <a:fld id="{727BC1F1-26C4-4172-9B9C-25E3323FD759}" type="datetimeFigureOut">
               <a:rPr lang="ru-UA" smtClean="0"/>
-              <a:t>03/19/2024</a:t>
+              <a:t>03/26/2024</a:t>
             </a:fld>
             <a:endParaRPr lang="ru-UA"/>
           </a:p>
@@ -2357,7 +2357,7 @@
           <a:p>
             <a:fld id="{727BC1F1-26C4-4172-9B9C-25E3323FD759}" type="datetimeFigureOut">
               <a:rPr lang="ru-UA" smtClean="0"/>
-              <a:t>03/19/2024</a:t>
+              <a:t>03/26/2024</a:t>
             </a:fld>
             <a:endParaRPr lang="ru-UA"/>
           </a:p>
@@ -2499,7 +2499,7 @@
           <a:p>
             <a:fld id="{727BC1F1-26C4-4172-9B9C-25E3323FD759}" type="datetimeFigureOut">
               <a:rPr lang="ru-UA" smtClean="0"/>
-              <a:t>03/19/2024</a:t>
+              <a:t>03/26/2024</a:t>
             </a:fld>
             <a:endParaRPr lang="ru-UA"/>
           </a:p>
@@ -2612,7 +2612,7 @@
           <a:p>
             <a:fld id="{727BC1F1-26C4-4172-9B9C-25E3323FD759}" type="datetimeFigureOut">
               <a:rPr lang="ru-UA" smtClean="0"/>
-              <a:t>03/19/2024</a:t>
+              <a:t>03/26/2024</a:t>
             </a:fld>
             <a:endParaRPr lang="ru-UA"/>
           </a:p>
@@ -2925,7 +2925,7 @@
           <a:p>
             <a:fld id="{727BC1F1-26C4-4172-9B9C-25E3323FD759}" type="datetimeFigureOut">
               <a:rPr lang="ru-UA" smtClean="0"/>
-              <a:t>03/19/2024</a:t>
+              <a:t>03/26/2024</a:t>
             </a:fld>
             <a:endParaRPr lang="ru-UA"/>
           </a:p>
@@ -3214,7 +3214,7 @@
           <a:p>
             <a:fld id="{727BC1F1-26C4-4172-9B9C-25E3323FD759}" type="datetimeFigureOut">
               <a:rPr lang="ru-UA" smtClean="0"/>
-              <a:t>03/19/2024</a:t>
+              <a:t>03/26/2024</a:t>
             </a:fld>
             <a:endParaRPr lang="ru-UA"/>
           </a:p>
@@ -3493,7 +3493,7 @@
           <a:p>
             <a:fld id="{727BC1F1-26C4-4172-9B9C-25E3323FD759}" type="datetimeFigureOut">
               <a:rPr lang="ru-UA" smtClean="0"/>
-              <a:t>03/19/2024</a:t>
+              <a:t>03/26/2024</a:t>
             </a:fld>
             <a:endParaRPr lang="ru-UA"/>
           </a:p>
@@ -4100,7 +4100,7 @@
             </a:pPr>
             <a:r>
               <a:rPr lang="ru-RU" sz="3200" dirty="0"/>
-              <a:t>В наше время, телефоны становятся неотъемлемой частью жизни.</a:t>
+              <a:t>В наше время телефоны становятся неотъемлемой частью жизни.</a:t>
             </a:r>
           </a:p>
           <a:p>
@@ -4144,10 +4144,9 @@
               <a:buNone/>
             </a:pPr>
             <a:r>
-              <a:rPr lang="ru-RU" sz="3200"/>
+              <a:rPr lang="ru-RU" sz="3200" dirty="0"/>
               <a:t>Потеря или забывание карты ТТС может привести к неудобству для пассажиров, особенно в ситуациях, когда требуется срочно воспользоваться общественным транспортом. </a:t>
             </a:r>
-            <a:endParaRPr lang="ru-RU" sz="3200" dirty="0"/>
           </a:p>
         </p:txBody>
       </p:sp>
@@ -4402,12 +4401,9 @@
             </a:lvl1pPr>
           </a:lstStyle>
           <a:p>
-            <a:pPr marL="0" indent="0">
-              <a:buNone/>
-            </a:pPr>
-            <a:r>
-              <a:rPr lang="ru-RU" sz="3000" dirty="0"/>
-              <a:t>Оплата через телефон может повысить эффективность системы оплаты ТТС, уменьшив время, затрачиваемое на оплату проезда.</a:t>
+            <a:r>
+              <a:rPr lang="ru-RU" sz="3200" dirty="0"/>
+              <a:t>Оплата через телефон может повысить эффективность системы оплаты ТТС, уменьшив время, затрачиваемое на поиск карты в транспортном средстве, собственно, покупку билетов, что способствует лучшей организации процесса посадки пассажиров.</a:t>
             </a:r>
           </a:p>
           <a:p>
